--- a/Project_1_Slides/Economic Data Analysis Project 1.pptx
+++ b/Project_1_Slides/Economic Data Analysis Project 1.pptx
@@ -883,8 +883,11 @@
           <a:lstStyle/>
           <a:p>
             <a:pPr indent="0" lvl="0" marL="0" rtl="0" algn="l">
-              <a:spcBef>
-                <a:spcPts val="0"/>
+              <a:lnSpc>
+                <a:spcPct val="150000"/>
+              </a:lnSpc>
+              <a:spcBef>
+                <a:spcPts val="1200"/>
               </a:spcBef>
               <a:spcAft>
                 <a:spcPts val="0"/>
@@ -892,9 +895,131 @@
               <a:buNone/>
             </a:pPr>
             <a:r>
-              <a:t/>
+              <a:rPr lang="en" sz="1300">
+                <a:solidFill>
+                  <a:schemeClr val="dk1"/>
+                </a:solidFill>
+              </a:rPr>
+              <a:t>Hello all,</a:t>
             </a:r>
-            <a:endParaRPr/>
+            <a:endParaRPr sz="1300">
+              <a:solidFill>
+                <a:schemeClr val="dk1"/>
+              </a:solidFill>
+            </a:endParaRPr>
+          </a:p>
+          <a:p>
+            <a:pPr indent="0" lvl="0" marL="0" rtl="0" algn="l">
+              <a:lnSpc>
+                <a:spcPct val="150000"/>
+              </a:lnSpc>
+              <a:spcBef>
+                <a:spcPts val="1200"/>
+              </a:spcBef>
+              <a:spcAft>
+                <a:spcPts val="0"/>
+              </a:spcAft>
+              <a:buNone/>
+            </a:pPr>
+            <a:r>
+              <a:rPr lang="en" sz="1300">
+                <a:solidFill>
+                  <a:schemeClr val="dk1"/>
+                </a:solidFill>
+              </a:rPr>
+              <a:t>Welcome to group number 7, our project was an Economic Data Analysis, which aims to uncover how various economic factors influence consumer auto loans. </a:t>
+            </a:r>
+            <a:endParaRPr sz="1300">
+              <a:solidFill>
+                <a:schemeClr val="dk1"/>
+              </a:solidFill>
+            </a:endParaRPr>
+          </a:p>
+          <a:p>
+            <a:pPr indent="0" lvl="0" marL="0" rtl="0" algn="l">
+              <a:lnSpc>
+                <a:spcPct val="150000"/>
+              </a:lnSpc>
+              <a:spcBef>
+                <a:spcPts val="1200"/>
+              </a:spcBef>
+              <a:spcAft>
+                <a:spcPts val="0"/>
+              </a:spcAft>
+              <a:buNone/>
+            </a:pPr>
+            <a:r>
+              <a:rPr lang="en" sz="1300">
+                <a:solidFill>
+                  <a:schemeClr val="dk1"/>
+                </a:solidFill>
+              </a:rPr>
+              <a:t>We’re focusing on four key areas: GDP, loan amounts, finance rates, and delinquency rates. By examining these indicators, we can begin to identify patterns and correlations that reveal how economic health impacts consumer lending trends. </a:t>
+            </a:r>
+            <a:endParaRPr sz="1300">
+              <a:solidFill>
+                <a:schemeClr val="dk1"/>
+              </a:solidFill>
+            </a:endParaRPr>
+          </a:p>
+          <a:p>
+            <a:pPr indent="0" lvl="0" marL="0" rtl="0" algn="l">
+              <a:lnSpc>
+                <a:spcPct val="150000"/>
+              </a:lnSpc>
+              <a:spcBef>
+                <a:spcPts val="1200"/>
+              </a:spcBef>
+              <a:spcAft>
+                <a:spcPts val="0"/>
+              </a:spcAft>
+              <a:buNone/>
+            </a:pPr>
+            <a:r>
+              <a:rPr lang="en" sz="1300">
+                <a:solidFill>
+                  <a:schemeClr val="dk1"/>
+                </a:solidFill>
+              </a:rPr>
+              <a:t>For instance, how do changes in GDP influence the amount consumers are willing to borrow? Or, how do rising finance rates impact loan delinquencies? Shedding light on these trends may help us understand the broader auto loan market and help us make better, more informed decisions as consumers.</a:t>
+            </a:r>
+            <a:endParaRPr sz="1300">
+              <a:solidFill>
+                <a:schemeClr val="dk1"/>
+              </a:solidFill>
+            </a:endParaRPr>
+          </a:p>
+          <a:p>
+            <a:pPr indent="0" lvl="0" marL="0" rtl="0" algn="l">
+              <a:lnSpc>
+                <a:spcPct val="150000"/>
+              </a:lnSpc>
+              <a:spcBef>
+                <a:spcPts val="1200"/>
+              </a:spcBef>
+              <a:spcAft>
+                <a:spcPts val="1200"/>
+              </a:spcAft>
+              <a:buClr>
+                <a:schemeClr val="dk1"/>
+              </a:buClr>
+              <a:buSzPts val="1100"/>
+              <a:buFont typeface="Arial"/>
+              <a:buNone/>
+            </a:pPr>
+            <a:r>
+              <a:rPr lang="en" sz="1300">
+                <a:solidFill>
+                  <a:schemeClr val="dk1"/>
+                </a:solidFill>
+              </a:rPr>
+              <a:t>The methodology for this project involves a historical review of data. By studying trends over time, we were able to explore correlations between these economic indicators and loan behaviors. This approach allowed us to see not only the short-term effects but also any long-term shifts in consumer lending patterns that could signal changes in the market’s stability</a:t>
+            </a:r>
+            <a:endParaRPr sz="1300">
+              <a:solidFill>
+                <a:schemeClr val="dk1"/>
+              </a:solidFill>
+            </a:endParaRPr>
           </a:p>
         </p:txBody>
       </p:sp>
@@ -9675,8 +9800,8 @@
         </p:nvSpPr>
         <p:spPr>
           <a:xfrm>
-            <a:off x="4969450" y="3935325"/>
-            <a:ext cx="3470700" cy="506100"/>
+            <a:off x="4869125" y="3731650"/>
+            <a:ext cx="3570900" cy="709800"/>
           </a:xfrm>
           <a:prstGeom prst="rect">
             <a:avLst/>
@@ -9684,7 +9809,7 @@
         </p:spPr>
         <p:txBody>
           <a:bodyPr anchorCtr="0" anchor="t" bIns="91425" lIns="91425" spcFirstLastPara="1" rIns="91425" wrap="square" tIns="91425">
-            <a:normAutofit/>
+            <a:normAutofit fontScale="85000"/>
           </a:bodyPr>
           <a:lstStyle/>
           <a:p>
@@ -9700,6 +9825,38 @@
             <a:r>
               <a:rPr lang="en"/>
               <a:t>Economic Impact on Consumer Auto Loans</a:t>
+            </a:r>
+            <a:endParaRPr/>
+          </a:p>
+          <a:p>
+            <a:pPr indent="0" lvl="0" marL="0" rtl="0" algn="l">
+              <a:spcBef>
+                <a:spcPts val="0"/>
+              </a:spcBef>
+              <a:spcAft>
+                <a:spcPts val="0"/>
+              </a:spcAft>
+              <a:buNone/>
+            </a:pPr>
+            <a:r>
+              <a:rPr lang="en"/>
+              <a:t>Project 1- Group 7 </a:t>
+            </a:r>
+            <a:endParaRPr/>
+          </a:p>
+          <a:p>
+            <a:pPr indent="0" lvl="0" marL="0" rtl="0" algn="l">
+              <a:spcBef>
+                <a:spcPts val="0"/>
+              </a:spcBef>
+              <a:spcAft>
+                <a:spcPts val="0"/>
+              </a:spcAft>
+              <a:buNone/>
+            </a:pPr>
+            <a:r>
+              <a:rPr lang="en"/>
+              <a:t>	Andrew Jaynes, Riley Hutchinson, Brian Buxton</a:t>
             </a:r>
             <a:endParaRPr/>
           </a:p>
@@ -10401,7 +10558,25 @@
                 <a:cs typeface="Arial"/>
                 <a:sym typeface="Arial"/>
               </a:rPr>
-              <a:t>: Over time, finance rates fluctuated, showing weak correlation with loan amounts (r = -0.03).</a:t>
+              <a:t>: Over time, finance rates </a:t>
+            </a:r>
+            <a:r>
+              <a:rPr lang="en">
+                <a:latin typeface="Arial"/>
+                <a:ea typeface="Arial"/>
+                <a:cs typeface="Arial"/>
+                <a:sym typeface="Arial"/>
+              </a:rPr>
+              <a:t>fluctuate</a:t>
+            </a:r>
+            <a:r>
+              <a:rPr lang="en">
+                <a:latin typeface="Arial"/>
+                <a:ea typeface="Arial"/>
+                <a:cs typeface="Arial"/>
+                <a:sym typeface="Arial"/>
+              </a:rPr>
+              <a:t>, showing weak correlation with loan amounts (r = -0.03).</a:t>
             </a:r>
             <a:endParaRPr>
               <a:latin typeface="Arial"/>
@@ -10474,7 +10649,7 @@
                 <a:cs typeface="Arial"/>
                 <a:sym typeface="Arial"/>
               </a:rPr>
-              <a:t>: Consumers may not significantly adjust loan amounts in response to finance rate changes, suggesting other factors impact loan size decisions.</a:t>
+              <a:t>: Consumers may not significantly adjust loan rates in response to finance amount changes, suggesting other factors impact loan rate decisions.</a:t>
             </a:r>
             <a:endParaRPr>
               <a:latin typeface="Arial"/>
@@ -10908,8 +11083,8 @@
         </p:nvSpPr>
         <p:spPr>
           <a:xfrm>
-            <a:off x="176925" y="1444300"/>
-            <a:ext cx="4473600" cy="1905000"/>
+            <a:off x="176925" y="1401875"/>
+            <a:ext cx="4473600" cy="1618200"/>
           </a:xfrm>
           <a:prstGeom prst="rect">
             <a:avLst/>
@@ -11134,26 +11309,6 @@
                 <a:sym typeface="Arial"/>
               </a:rPr>
               <a:t>: Insights are critical for lenders, policymakers, and consumers, indicating areas to watch for lending risk and consumer financial health.</a:t>
-            </a:r>
-            <a:endParaRPr sz="2042">
-              <a:latin typeface="Arial"/>
-              <a:ea typeface="Arial"/>
-              <a:cs typeface="Arial"/>
-              <a:sym typeface="Arial"/>
-            </a:endParaRPr>
-          </a:p>
-          <a:p>
-            <a:pPr indent="0" lvl="0" marL="457200" rtl="0" algn="l">
-              <a:spcBef>
-                <a:spcPts val="1200"/>
-              </a:spcBef>
-              <a:spcAft>
-                <a:spcPts val="1200"/>
-              </a:spcAft>
-              <a:buNone/>
-            </a:pPr>
-            <a:r>
-              <a:t/>
             </a:r>
             <a:endParaRPr sz="1100">
               <a:latin typeface="Arial"/>
@@ -11256,7 +11411,7 @@
             <a:tbl>
               <a:tblPr>
                 <a:noFill/>
-                <a:tableStyleId>{A989378B-B31C-4DEB-A11B-45338BA7F004}</a:tableStyleId>
+                <a:tableStyleId>{0B397A7D-2177-4D8A-976D-ABF4B8A72F28}</a:tableStyleId>
               </a:tblPr>
               <a:tblGrid>
                 <a:gridCol w="2874300"/>
